--- a/2018_ws_フライヤー北條直し.pptx
+++ b/2018_ws_フライヤー北條直し.pptx
@@ -6137,7 +6137,7 @@
         <p:spPr>
           <a:xfrm>
             <a:off x="4126541" y="3360784"/>
-            <a:ext cx="1901774" cy="1035769"/>
+            <a:ext cx="1908500" cy="1035769"/>
           </a:xfrm>
           <a:prstGeom prst="rect">
             <a:avLst/>
@@ -6314,7 +6314,7 @@
           <a:p>
             <a:pPr algn="l"/>
             <a:r>
-              <a:rPr lang="ja-JP" altLang="en-US" sz="1200" dirty="0">
+              <a:rPr lang="ja-JP" altLang="en-US" sz="1200">
                 <a:solidFill>
                   <a:schemeClr val="accent3">
                     <a:lumMod val="50000"/>
@@ -6324,25 +6324,40 @@
               <a:t>定員</a:t>
             </a:r>
             <a:r>
-              <a:rPr lang="en-US" altLang="ja-JP" sz="1200" dirty="0">
-                <a:solidFill>
-                  <a:schemeClr val="accent3">
-                    <a:lumMod val="50000"/>
-                  </a:schemeClr>
-                </a:solidFill>
-              </a:rPr>
-              <a:t>50</a:t>
-            </a:r>
-            <a:r>
-              <a:rPr lang="ja-JP" altLang="en-US" sz="1200" dirty="0">
-                <a:solidFill>
-                  <a:schemeClr val="accent3">
-                    <a:lumMod val="50000"/>
-                  </a:schemeClr>
-                </a:solidFill>
-              </a:rPr>
-              <a:t>名（参加費無料）</a:t>
-            </a:r>
+              <a:rPr lang="en-US" altLang="ja-JP" sz="2000" b="1" dirty="0">
+                <a:solidFill>
+                  <a:srgbClr val="FF0000"/>
+                </a:solidFill>
+              </a:rPr>
+              <a:t>200</a:t>
+            </a:r>
+            <a:r>
+              <a:rPr lang="ja-JP" altLang="en-US" sz="1200">
+                <a:solidFill>
+                  <a:schemeClr val="accent3">
+                    <a:lumMod val="50000"/>
+                  </a:schemeClr>
+                </a:solidFill>
+              </a:rPr>
+              <a:t>名</a:t>
+            </a:r>
+            <a:r>
+              <a:rPr lang="ja-JP" altLang="en-US" sz="900" dirty="0">
+                <a:solidFill>
+                  <a:schemeClr val="accent3">
+                    <a:lumMod val="50000"/>
+                  </a:schemeClr>
+                </a:solidFill>
+              </a:rPr>
+              <a:t>（参加費無料）</a:t>
+            </a:r>
+            <a:endParaRPr lang="ja-JP" altLang="en-US" sz="1200" dirty="0">
+              <a:solidFill>
+                <a:schemeClr val="accent3">
+                  <a:lumMod val="50000"/>
+                </a:schemeClr>
+              </a:solidFill>
+            </a:endParaRPr>
           </a:p>
           <a:p>
             <a:pPr algn="l"/>

--- a/2018_ws_フライヤー北條直し.pptx
+++ b/2018_ws_フライヤー北條直し.pptx
@@ -6324,12 +6324,12 @@
               <a:t>定員</a:t>
             </a:r>
             <a:r>
-              <a:rPr lang="en-US" altLang="ja-JP" sz="2000" b="1" dirty="0">
+              <a:rPr lang="en-US" altLang="ja-JP" sz="2000" b="1">
                 <a:solidFill>
                   <a:srgbClr val="FF0000"/>
                 </a:solidFill>
               </a:rPr>
-              <a:t>200</a:t>
+              <a:t>150</a:t>
             </a:r>
             <a:r>
               <a:rPr lang="ja-JP" altLang="en-US" sz="1200">

--- a/2018_ws_フライヤー北條直し.pptx
+++ b/2018_ws_フライヤー北條直し.pptx
@@ -6329,7 +6329,7 @@
                   <a:srgbClr val="FF0000"/>
                 </a:solidFill>
               </a:rPr>
-              <a:t>150</a:t>
+              <a:t>180</a:t>
             </a:r>
             <a:r>
               <a:rPr lang="ja-JP" altLang="en-US" sz="1200">
